--- a/src/lectures/android-scheduling/android-scheduling.pptx
+++ b/src/lectures/android-scheduling/android-scheduling.pptx
@@ -216,7 +216,7 @@
           <a:p>
             <a:fld id="{EBEE5AE1-1D5F-483D-90B5-92A2A708F59B}" type="datetimeFigureOut">
               <a:rPr lang="en-US" smtClean="0"/>
-              <a:t>3/1/2020</a:t>
+              <a:t>3/2/2020</a:t>
             </a:fld>
             <a:endParaRPr lang="en-US"/>
           </a:p>
@@ -525,7 +525,7 @@
           <a:p>
             <a:fld id="{428859CC-B640-4DB3-BB6F-301CDED75AAD}" type="datetimeFigureOut">
               <a:rPr lang="sv-SE" smtClean="0"/>
-              <a:t>2020-03-01</a:t>
+              <a:t>2020-03-02</a:t>
             </a:fld>
             <a:endParaRPr lang="sv-SE"/>
           </a:p>
@@ -875,7 +875,7 @@
           <a:p>
             <a:fld id="{428859CC-B640-4DB3-BB6F-301CDED75AAD}" type="datetimeFigureOut">
               <a:rPr lang="sv-SE" smtClean="0"/>
-              <a:t>2020-03-01</a:t>
+              <a:t>2020-03-02</a:t>
             </a:fld>
             <a:endParaRPr lang="sv-SE"/>
           </a:p>
@@ -1125,7 +1125,7 @@
           <a:p>
             <a:fld id="{428859CC-B640-4DB3-BB6F-301CDED75AAD}" type="datetimeFigureOut">
               <a:rPr lang="sv-SE" smtClean="0"/>
-              <a:t>2020-03-01</a:t>
+              <a:t>2020-03-02</a:t>
             </a:fld>
             <a:endParaRPr lang="sv-SE"/>
           </a:p>
@@ -1484,7 +1484,7 @@
           <a:p>
             <a:fld id="{428859CC-B640-4DB3-BB6F-301CDED75AAD}" type="datetimeFigureOut">
               <a:rPr lang="sv-SE" smtClean="0"/>
-              <a:t>2020-03-01</a:t>
+              <a:t>2020-03-02</a:t>
             </a:fld>
             <a:endParaRPr lang="sv-SE"/>
           </a:p>
@@ -1835,7 +1835,7 @@
           <a:p>
             <a:fld id="{428859CC-B640-4DB3-BB6F-301CDED75AAD}" type="datetimeFigureOut">
               <a:rPr lang="sv-SE" smtClean="0"/>
-              <a:t>2020-03-01</a:t>
+              <a:t>2020-03-02</a:t>
             </a:fld>
             <a:endParaRPr lang="sv-SE"/>
           </a:p>
@@ -2267,7 +2267,7 @@
           <a:p>
             <a:fld id="{428859CC-B640-4DB3-BB6F-301CDED75AAD}" type="datetimeFigureOut">
               <a:rPr lang="sv-SE" smtClean="0"/>
-              <a:t>2020-03-01</a:t>
+              <a:t>2020-03-02</a:t>
             </a:fld>
             <a:endParaRPr lang="sv-SE"/>
           </a:p>
@@ -2691,7 +2691,7 @@
           <a:p>
             <a:fld id="{428859CC-B640-4DB3-BB6F-301CDED75AAD}" type="datetimeFigureOut">
               <a:rPr lang="sv-SE" smtClean="0"/>
-              <a:t>2020-03-01</a:t>
+              <a:t>2020-03-02</a:t>
             </a:fld>
             <a:endParaRPr lang="sv-SE"/>
           </a:p>
@@ -3123,7 +3123,7 @@
           <a:p>
             <a:fld id="{428859CC-B640-4DB3-BB6F-301CDED75AAD}" type="datetimeFigureOut">
               <a:rPr lang="sv-SE" smtClean="0"/>
-              <a:t>2020-03-01</a:t>
+              <a:t>2020-03-02</a:t>
             </a:fld>
             <a:endParaRPr lang="sv-SE"/>
           </a:p>
@@ -3452,7 +3452,7 @@
           <a:p>
             <a:fld id="{428859CC-B640-4DB3-BB6F-301CDED75AAD}" type="datetimeFigureOut">
               <a:rPr lang="sv-SE" smtClean="0"/>
-              <a:t>2020-03-01</a:t>
+              <a:t>2020-03-02</a:t>
             </a:fld>
             <a:endParaRPr lang="sv-SE"/>
           </a:p>
@@ -3652,7 +3652,7 @@
           <a:p>
             <a:fld id="{428859CC-B640-4DB3-BB6F-301CDED75AAD}" type="datetimeFigureOut">
               <a:rPr lang="sv-SE" smtClean="0"/>
-              <a:t>2020-03-01</a:t>
+              <a:t>2020-03-02</a:t>
             </a:fld>
             <a:endParaRPr lang="sv-SE"/>
           </a:p>
@@ -3813,7 +3813,7 @@
           <a:p>
             <a:fld id="{428859CC-B640-4DB3-BB6F-301CDED75AAD}" type="datetimeFigureOut">
               <a:rPr lang="sv-SE" smtClean="0"/>
-              <a:t>2020-03-01</a:t>
+              <a:t>2020-03-02</a:t>
             </a:fld>
             <a:endParaRPr lang="sv-SE"/>
           </a:p>
@@ -4084,7 +4084,7 @@
           <a:p>
             <a:fld id="{428859CC-B640-4DB3-BB6F-301CDED75AAD}" type="datetimeFigureOut">
               <a:rPr lang="sv-SE" smtClean="0"/>
-              <a:t>2020-03-01</a:t>
+              <a:t>2020-03-02</a:t>
             </a:fld>
             <a:endParaRPr lang="sv-SE"/>
           </a:p>
@@ -4289,7 +4289,7 @@
           <a:p>
             <a:fld id="{428859CC-B640-4DB3-BB6F-301CDED75AAD}" type="datetimeFigureOut">
               <a:rPr lang="sv-SE" smtClean="0"/>
-              <a:t>2020-03-01</a:t>
+              <a:t>2020-03-02</a:t>
             </a:fld>
             <a:endParaRPr lang="sv-SE"/>
           </a:p>
@@ -4511,7 +4511,7 @@
           <a:p>
             <a:fld id="{428859CC-B640-4DB3-BB6F-301CDED75AAD}" type="datetimeFigureOut">
               <a:rPr lang="sv-SE" smtClean="0"/>
-              <a:t>2020-03-01</a:t>
+              <a:t>2020-03-02</a:t>
             </a:fld>
             <a:endParaRPr lang="sv-SE"/>
           </a:p>
@@ -4745,7 +4745,7 @@
           <a:p>
             <a:fld id="{428859CC-B640-4DB3-BB6F-301CDED75AAD}" type="datetimeFigureOut">
               <a:rPr lang="sv-SE" smtClean="0"/>
-              <a:t>2020-03-01</a:t>
+              <a:t>2020-03-02</a:t>
             </a:fld>
             <a:endParaRPr lang="sv-SE"/>
           </a:p>
@@ -4967,7 +4967,7 @@
           <a:p>
             <a:fld id="{428859CC-B640-4DB3-BB6F-301CDED75AAD}" type="datetimeFigureOut">
               <a:rPr lang="sv-SE" smtClean="0"/>
-              <a:t>2020-03-01</a:t>
+              <a:t>2020-03-02</a:t>
             </a:fld>
             <a:endParaRPr lang="sv-SE"/>
           </a:p>
@@ -5201,7 +5201,7 @@
           <a:p>
             <a:fld id="{428859CC-B640-4DB3-BB6F-301CDED75AAD}" type="datetimeFigureOut">
               <a:rPr lang="sv-SE" smtClean="0"/>
-              <a:t>2020-03-01</a:t>
+              <a:t>2020-03-02</a:t>
             </a:fld>
             <a:endParaRPr lang="sv-SE"/>
           </a:p>
@@ -5615,7 +5615,7 @@
           <a:p>
             <a:fld id="{428859CC-B640-4DB3-BB6F-301CDED75AAD}" type="datetimeFigureOut">
               <a:rPr lang="sv-SE" smtClean="0"/>
-              <a:t>2020-03-01</a:t>
+              <a:t>2020-03-02</a:t>
             </a:fld>
             <a:endParaRPr lang="sv-SE"/>
           </a:p>
@@ -6027,7 +6027,7 @@
           <a:p>
             <a:fld id="{428859CC-B640-4DB3-BB6F-301CDED75AAD}" type="datetimeFigureOut">
               <a:rPr lang="sv-SE" smtClean="0"/>
-              <a:t>2020-03-01</a:t>
+              <a:t>2020-03-02</a:t>
             </a:fld>
             <a:endParaRPr lang="sv-SE"/>
           </a:p>
@@ -6344,7 +6344,7 @@
           <a:p>
             <a:fld id="{428859CC-B640-4DB3-BB6F-301CDED75AAD}" type="datetimeFigureOut">
               <a:rPr lang="sv-SE" smtClean="0"/>
-              <a:t>2020-03-01</a:t>
+              <a:t>2020-03-02</a:t>
             </a:fld>
             <a:endParaRPr lang="sv-SE"/>
           </a:p>
@@ -6659,7 +6659,7 @@
           <a:p>
             <a:fld id="{428859CC-B640-4DB3-BB6F-301CDED75AAD}" type="datetimeFigureOut">
               <a:rPr lang="sv-SE" smtClean="0"/>
-              <a:t>2020-03-01</a:t>
+              <a:t>2020-03-02</a:t>
             </a:fld>
             <a:endParaRPr lang="sv-SE"/>
           </a:p>
@@ -6947,7 +6947,7 @@
           <a:p>
             <a:fld id="{428859CC-B640-4DB3-BB6F-301CDED75AAD}" type="datetimeFigureOut">
               <a:rPr lang="sv-SE" smtClean="0"/>
-              <a:t>2020-03-01</a:t>
+              <a:t>2020-03-02</a:t>
             </a:fld>
             <a:endParaRPr lang="sv-SE"/>
           </a:p>
@@ -7304,7 +7304,7 @@
           <a:p>
             <a:fld id="{428859CC-B640-4DB3-BB6F-301CDED75AAD}" type="datetimeFigureOut">
               <a:rPr lang="sv-SE" smtClean="0"/>
-              <a:t>2020-03-01</a:t>
+              <a:t>2020-03-02</a:t>
             </a:fld>
             <a:endParaRPr lang="sv-SE"/>
           </a:p>
@@ -7586,7 +7586,7 @@
           <a:p>
             <a:fld id="{428859CC-B640-4DB3-BB6F-301CDED75AAD}" type="datetimeFigureOut">
               <a:rPr lang="sv-SE" smtClean="0"/>
-              <a:t>2020-03-01</a:t>
+              <a:t>2020-03-02</a:t>
             </a:fld>
             <a:endParaRPr lang="sv-SE"/>
           </a:p>
@@ -10187,7 +10187,7 @@
             </a:pPr>
             <a:r>
               <a:rPr lang="en-US" sz="1800" dirty="0"/>
-              <a:t>~Device been still for a while and not charging</a:t>
+              <a:t>~Device been still for a while and not charging.</a:t>
             </a:r>
           </a:p>
         </p:txBody>
@@ -10494,7 +10494,7 @@
           <a:p>
             <a:r>
               <a:rPr lang="en-US" sz="1800" dirty="0"/>
-              <a:t>Scheduled alarms/jobs won't run as scheduled.</a:t>
+              <a:t>Scheduled alarms won't run as scheduled.</a:t>
             </a:r>
           </a:p>
         </p:txBody>
